--- a/slides.pptx
+++ b/slides.pptx
@@ -353,7 +353,7 @@
           <a:p>
             <a:fld id="{EF2616EF-61A1-8241-8D7A-C212FE98CD42}" type="datetimeFigureOut">
               <a:rPr lang="en-US" smtClean="0"/>
-              <a:t>10/24/18</a:t>
+              <a:t>10/25/18</a:t>
             </a:fld>
             <a:endParaRPr lang="en-US"/>
           </a:p>
@@ -4407,7 +4407,7 @@
           <a:p>
             <a:fld id="{BE276673-889B-9543-9E9F-A629C2806D3E}" type="datetimeFigureOut">
               <a:rPr lang="en-US" smtClean="0"/>
-              <a:t>10/24/18</a:t>
+              <a:t>10/25/18</a:t>
             </a:fld>
             <a:endParaRPr lang="en-US"/>
           </a:p>
@@ -4577,7 +4577,7 @@
           <a:p>
             <a:fld id="{BE276673-889B-9543-9E9F-A629C2806D3E}" type="datetimeFigureOut">
               <a:rPr lang="en-US" smtClean="0"/>
-              <a:t>10/24/18</a:t>
+              <a:t>10/25/18</a:t>
             </a:fld>
             <a:endParaRPr lang="en-US"/>
           </a:p>
@@ -4757,7 +4757,7 @@
           <a:p>
             <a:fld id="{BE276673-889B-9543-9E9F-A629C2806D3E}" type="datetimeFigureOut">
               <a:rPr lang="en-US" smtClean="0"/>
-              <a:t>10/24/18</a:t>
+              <a:t>10/25/18</a:t>
             </a:fld>
             <a:endParaRPr lang="en-US"/>
           </a:p>
@@ -4996,7 +4996,7 @@
           <a:p>
             <a:fld id="{BE276673-889B-9543-9E9F-A629C2806D3E}" type="datetimeFigureOut">
               <a:rPr lang="en-US" smtClean="0"/>
-              <a:t>10/24/18</a:t>
+              <a:t>10/25/18</a:t>
             </a:fld>
             <a:endParaRPr lang="en-US"/>
           </a:p>
@@ -5566,7 +5566,7 @@
           <a:p>
             <a:fld id="{BE276673-889B-9543-9E9F-A629C2806D3E}" type="datetimeFigureOut">
               <a:rPr lang="en-US" smtClean="0"/>
-              <a:t>10/24/18</a:t>
+              <a:t>10/25/18</a:t>
             </a:fld>
             <a:endParaRPr lang="en-US"/>
           </a:p>
@@ -5812,7 +5812,7 @@
           <a:p>
             <a:fld id="{BE276673-889B-9543-9E9F-A629C2806D3E}" type="datetimeFigureOut">
               <a:rPr lang="en-US" smtClean="0"/>
-              <a:t>10/24/18</a:t>
+              <a:t>10/25/18</a:t>
             </a:fld>
             <a:endParaRPr lang="en-US"/>
           </a:p>
@@ -6044,7 +6044,7 @@
           <a:p>
             <a:fld id="{BE276673-889B-9543-9E9F-A629C2806D3E}" type="datetimeFigureOut">
               <a:rPr lang="en-US" smtClean="0"/>
-              <a:t>10/24/18</a:t>
+              <a:t>10/25/18</a:t>
             </a:fld>
             <a:endParaRPr lang="en-US"/>
           </a:p>
@@ -6411,7 +6411,7 @@
           <a:p>
             <a:fld id="{BE276673-889B-9543-9E9F-A629C2806D3E}" type="datetimeFigureOut">
               <a:rPr lang="en-US" smtClean="0"/>
-              <a:t>10/24/18</a:t>
+              <a:t>10/25/18</a:t>
             </a:fld>
             <a:endParaRPr lang="en-US"/>
           </a:p>
@@ -6529,7 +6529,7 @@
           <a:p>
             <a:fld id="{BE276673-889B-9543-9E9F-A629C2806D3E}" type="datetimeFigureOut">
               <a:rPr lang="en-US" smtClean="0"/>
-              <a:t>10/24/18</a:t>
+              <a:t>10/25/18</a:t>
             </a:fld>
             <a:endParaRPr lang="en-US"/>
           </a:p>
@@ -6624,7 +6624,7 @@
           <a:p>
             <a:fld id="{BE276673-889B-9543-9E9F-A629C2806D3E}" type="datetimeFigureOut">
               <a:rPr lang="en-US" smtClean="0"/>
-              <a:t>10/24/18</a:t>
+              <a:t>10/25/18</a:t>
             </a:fld>
             <a:endParaRPr lang="en-US"/>
           </a:p>
@@ -6901,7 +6901,7 @@
           <a:p>
             <a:fld id="{BE276673-889B-9543-9E9F-A629C2806D3E}" type="datetimeFigureOut">
               <a:rPr lang="en-US" smtClean="0"/>
-              <a:t>10/24/18</a:t>
+              <a:t>10/25/18</a:t>
             </a:fld>
             <a:endParaRPr lang="en-US"/>
           </a:p>
@@ -7158,7 +7158,7 @@
           <a:p>
             <a:fld id="{BE276673-889B-9543-9E9F-A629C2806D3E}" type="datetimeFigureOut">
               <a:rPr lang="en-US" smtClean="0"/>
-              <a:t>10/24/18</a:t>
+              <a:t>10/25/18</a:t>
             </a:fld>
             <a:endParaRPr lang="en-US"/>
           </a:p>
@@ -7371,7 +7371,7 @@
           <a:p>
             <a:fld id="{BE276673-889B-9543-9E9F-A629C2806D3E}" type="datetimeFigureOut">
               <a:rPr lang="en-US" smtClean="0"/>
-              <a:t>10/24/18</a:t>
+              <a:t>10/25/18</a:t>
             </a:fld>
             <a:endParaRPr lang="en-US"/>
           </a:p>
@@ -46742,7 +46742,7 @@
           <a:p>
             <a:r>
               <a:rPr lang="en-US" dirty="0"/>
-              <a:t>An experimental set of APIs designed to make </a:t>
+              <a:t>An experimental set of APIs for the collector</a:t>
             </a:r>
           </a:p>
         </p:txBody>

--- a/slides.pptx
+++ b/slides.pptx
@@ -2962,10 +2962,7 @@
           <a:bodyPr/>
           <a:lstStyle/>
           <a:p>
-            <a:r>
-              <a:rPr lang="en-US" dirty="0"/>
-              <a:t>Compacting (1/4)</a:t>
-            </a:r>
+            <a:endParaRPr lang="en-US" dirty="0"/>
           </a:p>
         </p:txBody>
       </p:sp>
@@ -2986,7 +2983,7 @@
           <a:p>
             <a:fld id="{6989B0B5-18C0-414E-B4A4-1EF2E8627D0C}" type="slidenum">
               <a:rPr lang="en-US" smtClean="0"/>
-              <a:t>41</a:t>
+              <a:t>39</a:t>
             </a:fld>
             <a:endParaRPr lang="en-US"/>
           </a:p>
@@ -2995,7 +2992,7 @@
     </p:spTree>
     <p:extLst>
       <p:ext uri="{BB962C8B-B14F-4D97-AF65-F5344CB8AC3E}">
-        <p14:creationId xmlns:p14="http://schemas.microsoft.com/office/powerpoint/2010/main" val="344098067"/>
+        <p14:creationId xmlns:p14="http://schemas.microsoft.com/office/powerpoint/2010/main" val="3460712583"/>
       </p:ext>
     </p:extLst>
   </p:cSld>
@@ -3049,30 +3046,10 @@
           <a:bodyPr/>
           <a:lstStyle/>
           <a:p>
-            <a:pPr marL="0" marR="0" lvl="0" indent="0" algn="l" defTabSz="914400" rtl="0" eaLnBrk="1" fontAlgn="auto" latinLnBrk="0" hangingPunct="1">
-              <a:lnSpc>
-                <a:spcPct val="100000"/>
-              </a:lnSpc>
-              <a:spcBef>
-                <a:spcPts val="0"/>
-              </a:spcBef>
-              <a:spcAft>
-                <a:spcPts val="0"/>
-              </a:spcAft>
-              <a:buClrTx/>
-              <a:buSzTx/>
-              <a:buFontTx/>
-              <a:buNone/>
-              <a:tabLst/>
-              <a:defRPr/>
-            </a:pPr>
             <a:r>
               <a:rPr lang="en-US" dirty="0"/>
-              <a:t>Compacting (2/4)</a:t>
-            </a:r>
-          </a:p>
-          <a:p>
-            <a:endParaRPr lang="en-US" dirty="0"/>
+              <a:t>Compacting (1/4)</a:t>
+            </a:r>
           </a:p>
         </p:txBody>
       </p:sp>
@@ -3093,7 +3070,7 @@
           <a:p>
             <a:fld id="{6989B0B5-18C0-414E-B4A4-1EF2E8627D0C}" type="slidenum">
               <a:rPr lang="en-US" smtClean="0"/>
-              <a:t>42</a:t>
+              <a:t>41</a:t>
             </a:fld>
             <a:endParaRPr lang="en-US"/>
           </a:p>
@@ -3102,7 +3079,7 @@
     </p:spTree>
     <p:extLst>
       <p:ext uri="{BB962C8B-B14F-4D97-AF65-F5344CB8AC3E}">
-        <p14:creationId xmlns:p14="http://schemas.microsoft.com/office/powerpoint/2010/main" val="476543157"/>
+        <p14:creationId xmlns:p14="http://schemas.microsoft.com/office/powerpoint/2010/main" val="344098067"/>
       </p:ext>
     </p:extLst>
   </p:cSld>
@@ -3175,7 +3152,7 @@
             </a:pPr>
             <a:r>
               <a:rPr lang="en-US" dirty="0"/>
-              <a:t>Compacting (3/4)</a:t>
+              <a:t>Compacting (2/4)</a:t>
             </a:r>
           </a:p>
           <a:p>
@@ -3200,7 +3177,7 @@
           <a:p>
             <a:fld id="{6989B0B5-18C0-414E-B4A4-1EF2E8627D0C}" type="slidenum">
               <a:rPr lang="en-US" smtClean="0"/>
-              <a:t>43</a:t>
+              <a:t>42</a:t>
             </a:fld>
             <a:endParaRPr lang="en-US"/>
           </a:p>
@@ -3209,7 +3186,7 @@
     </p:spTree>
     <p:extLst>
       <p:ext uri="{BB962C8B-B14F-4D97-AF65-F5344CB8AC3E}">
-        <p14:creationId xmlns:p14="http://schemas.microsoft.com/office/powerpoint/2010/main" val="2283474910"/>
+        <p14:creationId xmlns:p14="http://schemas.microsoft.com/office/powerpoint/2010/main" val="476543157"/>
       </p:ext>
     </p:extLst>
   </p:cSld>
@@ -3281,13 +3258,12 @@
               <a:defRPr/>
             </a:pPr>
             <a:r>
-              <a:rPr lang="en-US" dirty="0" err="1"/>
-              <a:t>Aaand</a:t>
-            </a:r>
-            <a:r>
               <a:rPr lang="en-US" dirty="0"/>
-              <a:t> the rest--compacting (4/4)</a:t>
-            </a:r>
+              <a:t>Compacting (3/4)</a:t>
+            </a:r>
+          </a:p>
+          <a:p>
+            <a:endParaRPr lang="en-US" dirty="0"/>
           </a:p>
         </p:txBody>
       </p:sp>
@@ -3308,7 +3284,7 @@
           <a:p>
             <a:fld id="{6989B0B5-18C0-414E-B4A4-1EF2E8627D0C}" type="slidenum">
               <a:rPr lang="en-US" smtClean="0"/>
-              <a:t>44</a:t>
+              <a:t>43</a:t>
             </a:fld>
             <a:endParaRPr lang="en-US"/>
           </a:p>
@@ -3317,7 +3293,7 @@
     </p:spTree>
     <p:extLst>
       <p:ext uri="{BB962C8B-B14F-4D97-AF65-F5344CB8AC3E}">
-        <p14:creationId xmlns:p14="http://schemas.microsoft.com/office/powerpoint/2010/main" val="1658938426"/>
+        <p14:creationId xmlns:p14="http://schemas.microsoft.com/office/powerpoint/2010/main" val="2283474910"/>
       </p:ext>
     </p:extLst>
   </p:cSld>
@@ -3371,6 +3347,114 @@
           <a:bodyPr/>
           <a:lstStyle/>
           <a:p>
+            <a:pPr marL="0" marR="0" lvl="0" indent="0" algn="l" defTabSz="914400" rtl="0" eaLnBrk="1" fontAlgn="auto" latinLnBrk="0" hangingPunct="1">
+              <a:lnSpc>
+                <a:spcPct val="100000"/>
+              </a:lnSpc>
+              <a:spcBef>
+                <a:spcPts val="0"/>
+              </a:spcBef>
+              <a:spcAft>
+                <a:spcPts val="0"/>
+              </a:spcAft>
+              <a:buClrTx/>
+              <a:buSzTx/>
+              <a:buFontTx/>
+              <a:buNone/>
+              <a:tabLst/>
+              <a:defRPr/>
+            </a:pPr>
+            <a:r>
+              <a:rPr lang="en-US" dirty="0" err="1"/>
+              <a:t>Aaand</a:t>
+            </a:r>
+            <a:r>
+              <a:rPr lang="en-US" dirty="0"/>
+              <a:t> the rest--compacting (4/4)</a:t>
+            </a:r>
+          </a:p>
+        </p:txBody>
+      </p:sp>
+      <p:sp>
+        <p:nvSpPr>
+          <p:cNvPr id="4" name="Slide Number Placeholder 3"/>
+          <p:cNvSpPr>
+            <a:spLocks noGrp="1"/>
+          </p:cNvSpPr>
+          <p:nvPr>
+            <p:ph type="sldNum" sz="quarter" idx="5"/>
+          </p:nvPr>
+        </p:nvSpPr>
+        <p:spPr/>
+        <p:txBody>
+          <a:bodyPr/>
+          <a:lstStyle/>
+          <a:p>
+            <a:fld id="{6989B0B5-18C0-414E-B4A4-1EF2E8627D0C}" type="slidenum">
+              <a:rPr lang="en-US" smtClean="0"/>
+              <a:t>44</a:t>
+            </a:fld>
+            <a:endParaRPr lang="en-US"/>
+          </a:p>
+        </p:txBody>
+      </p:sp>
+    </p:spTree>
+    <p:extLst>
+      <p:ext uri="{BB962C8B-B14F-4D97-AF65-F5344CB8AC3E}">
+        <p14:creationId xmlns:p14="http://schemas.microsoft.com/office/powerpoint/2010/main" val="1658938426"/>
+      </p:ext>
+    </p:extLst>
+  </p:cSld>
+  <p:clrMapOvr>
+    <a:masterClrMapping/>
+  </p:clrMapOvr>
+</p:notes>
+</file>
+
+<file path=ppt/notesSlides/notesSlide36.xml><?xml version="1.0" encoding="utf-8"?>
+<p:notes xmlns:a="http://schemas.openxmlformats.org/drawingml/2006/main" xmlns:r="http://schemas.openxmlformats.org/officeDocument/2006/relationships" xmlns:p="http://schemas.openxmlformats.org/presentationml/2006/main">
+  <p:cSld>
+    <p:spTree>
+      <p:nvGrpSpPr>
+        <p:cNvPr id="1" name=""/>
+        <p:cNvGrpSpPr/>
+        <p:nvPr/>
+      </p:nvGrpSpPr>
+      <p:grpSpPr>
+        <a:xfrm>
+          <a:off x="0" y="0"/>
+          <a:ext cx="0" cy="0"/>
+          <a:chOff x="0" y="0"/>
+          <a:chExt cx="0" cy="0"/>
+        </a:xfrm>
+      </p:grpSpPr>
+      <p:sp>
+        <p:nvSpPr>
+          <p:cNvPr id="2" name="Slide Image Placeholder 1"/>
+          <p:cNvSpPr>
+            <a:spLocks noGrp="1" noRot="1" noChangeAspect="1"/>
+          </p:cNvSpPr>
+          <p:nvPr>
+            <p:ph type="sldImg"/>
+          </p:nvPr>
+        </p:nvSpPr>
+        <p:spPr/>
+      </p:sp>
+      <p:sp>
+        <p:nvSpPr>
+          <p:cNvPr id="3" name="Notes Placeholder 2"/>
+          <p:cNvSpPr>
+            <a:spLocks noGrp="1"/>
+          </p:cNvSpPr>
+          <p:nvPr>
+            <p:ph type="body" idx="1"/>
+          </p:nvPr>
+        </p:nvSpPr>
+        <p:spPr/>
+        <p:txBody>
+          <a:bodyPr/>
+          <a:lstStyle/>
+          <a:p>
             <a:endParaRPr lang="en-US" dirty="0"/>
           </a:p>
         </p:txBody>
@@ -3411,7 +3495,7 @@
 </p:notes>
 </file>
 
-<file path=ppt/notesSlides/notesSlide36.xml><?xml version="1.0" encoding="utf-8"?>
+<file path=ppt/notesSlides/notesSlide37.xml><?xml version="1.0" encoding="utf-8"?>
 <p:notes xmlns:a="http://schemas.openxmlformats.org/drawingml/2006/main" xmlns:r="http://schemas.openxmlformats.org/officeDocument/2006/relationships" xmlns:p="http://schemas.openxmlformats.org/presentationml/2006/main">
   <p:cSld>
     <p:spTree>
@@ -47152,7 +47236,7 @@
               <a:rPr lang="en-US" dirty="0">
                 <a:latin typeface="Consolas" panose="020B0609020204030204" pitchFamily="49" charset="0"/>
               </a:rPr>
-              <a:t>OMR::GC::System system(runtime, config);</a:t>
+              <a:t>OMR::GC::System system(runtime);</a:t>
             </a:r>
           </a:p>
           <a:p>
@@ -47172,7 +47256,15 @@
           <a:p>
             <a:r>
               <a:rPr lang="en-US" dirty="0"/>
-              <a:t>GC::Context cx(sys);</a:t>
+              <a:t>OMR::GC::Context </a:t>
+            </a:r>
+            <a:r>
+              <a:rPr lang="en-US" dirty="0" err="1"/>
+              <a:t>ctx</a:t>
+            </a:r>
+            <a:r>
+              <a:rPr lang="en-US" dirty="0"/>
+              <a:t>(system);</a:t>
             </a:r>
           </a:p>
         </p:txBody>
@@ -49077,19 +49169,40 @@
           <a:p>
             <a:r>
               <a:rPr lang="en-US" dirty="0"/>
-              <a:t>Fragmentation is bad</a:t>
-            </a:r>
-          </a:p>
-          <a:p>
+              <a:t>Heap fragmentation is bad for the application</a:t>
+            </a:r>
+          </a:p>
+          <a:p>
+            <a:pPr lvl="1"/>
             <a:r>
               <a:rPr lang="en-US" dirty="0"/>
-              <a:t>The collector can slide left compaction</a:t>
-            </a:r>
-          </a:p>
-          <a:p>
+              <a:t>Slow allocation</a:t>
+            </a:r>
+          </a:p>
+          <a:p>
+            <a:pPr lvl="1"/>
             <a:r>
               <a:rPr lang="en-US" dirty="0"/>
-              <a:t>Eliminates heap fragmentation</a:t>
+              <a:t>Bad data locality</a:t>
+            </a:r>
+          </a:p>
+          <a:p>
+            <a:pPr lvl="1"/>
+            <a:r>
+              <a:rPr lang="en-US" dirty="0"/>
+              <a:t>Unusable heap memory</a:t>
+            </a:r>
+          </a:p>
+          <a:p>
+            <a:r>
+              <a:rPr lang="en-US" dirty="0"/>
+              <a:t>The collector can slide all live objects together</a:t>
+            </a:r>
+          </a:p>
+          <a:p>
+            <a:r>
+              <a:rPr lang="en-US" dirty="0"/>
+              <a:t>Groups heap into live, and free regions</a:t>
             </a:r>
           </a:p>
           <a:p>

--- a/slides.pptx
+++ b/slides.pptx
@@ -212,12 +212,6 @@
             <p14:sldId id="560"/>
           </p14:sldIdLst>
         </p14:section>
-        <p14:section name="Object Model" id="{39D3883C-E514-7F46-9A4C-66513C05AE71}">
-          <p14:sldIdLst/>
-        </p14:section>
-        <p14:section name="GC client bindings" id="{D6749252-D1F1-5B46-8BD6-E2658B9C7040}">
-          <p14:sldIdLst/>
-        </p14:section>
         <p14:section name="Workshop" id="{E76A129A-198A-4344-8A3E-34B3FE024ABB}">
           <p14:sldIdLst>
             <p14:sldId id="600"/>
@@ -353,7 +347,7 @@
           <a:p>
             <a:fld id="{EF2616EF-61A1-8241-8D7A-C212FE98CD42}" type="datetimeFigureOut">
               <a:rPr lang="en-US" smtClean="0"/>
-              <a:t>10/25/18</a:t>
+              <a:t>11/1/18</a:t>
             </a:fld>
             <a:endParaRPr lang="en-US"/>
           </a:p>
@@ -4491,7 +4485,7 @@
           <a:p>
             <a:fld id="{BE276673-889B-9543-9E9F-A629C2806D3E}" type="datetimeFigureOut">
               <a:rPr lang="en-US" smtClean="0"/>
-              <a:t>10/25/18</a:t>
+              <a:t>11/1/18</a:t>
             </a:fld>
             <a:endParaRPr lang="en-US"/>
           </a:p>
@@ -4661,7 +4655,7 @@
           <a:p>
             <a:fld id="{BE276673-889B-9543-9E9F-A629C2806D3E}" type="datetimeFigureOut">
               <a:rPr lang="en-US" smtClean="0"/>
-              <a:t>10/25/18</a:t>
+              <a:t>11/1/18</a:t>
             </a:fld>
             <a:endParaRPr lang="en-US"/>
           </a:p>
@@ -4841,7 +4835,7 @@
           <a:p>
             <a:fld id="{BE276673-889B-9543-9E9F-A629C2806D3E}" type="datetimeFigureOut">
               <a:rPr lang="en-US" smtClean="0"/>
-              <a:t>10/25/18</a:t>
+              <a:t>11/1/18</a:t>
             </a:fld>
             <a:endParaRPr lang="en-US"/>
           </a:p>
@@ -5080,7 +5074,7 @@
           <a:p>
             <a:fld id="{BE276673-889B-9543-9E9F-A629C2806D3E}" type="datetimeFigureOut">
               <a:rPr lang="en-US" smtClean="0"/>
-              <a:t>10/25/18</a:t>
+              <a:t>11/1/18</a:t>
             </a:fld>
             <a:endParaRPr lang="en-US"/>
           </a:p>
@@ -5650,7 +5644,7 @@
           <a:p>
             <a:fld id="{BE276673-889B-9543-9E9F-A629C2806D3E}" type="datetimeFigureOut">
               <a:rPr lang="en-US" smtClean="0"/>
-              <a:t>10/25/18</a:t>
+              <a:t>11/1/18</a:t>
             </a:fld>
             <a:endParaRPr lang="en-US"/>
           </a:p>
@@ -5896,7 +5890,7 @@
           <a:p>
             <a:fld id="{BE276673-889B-9543-9E9F-A629C2806D3E}" type="datetimeFigureOut">
               <a:rPr lang="en-US" smtClean="0"/>
-              <a:t>10/25/18</a:t>
+              <a:t>11/1/18</a:t>
             </a:fld>
             <a:endParaRPr lang="en-US"/>
           </a:p>
@@ -6128,7 +6122,7 @@
           <a:p>
             <a:fld id="{BE276673-889B-9543-9E9F-A629C2806D3E}" type="datetimeFigureOut">
               <a:rPr lang="en-US" smtClean="0"/>
-              <a:t>10/25/18</a:t>
+              <a:t>11/1/18</a:t>
             </a:fld>
             <a:endParaRPr lang="en-US"/>
           </a:p>
@@ -6495,7 +6489,7 @@
           <a:p>
             <a:fld id="{BE276673-889B-9543-9E9F-A629C2806D3E}" type="datetimeFigureOut">
               <a:rPr lang="en-US" smtClean="0"/>
-              <a:t>10/25/18</a:t>
+              <a:t>11/1/18</a:t>
             </a:fld>
             <a:endParaRPr lang="en-US"/>
           </a:p>
@@ -6613,7 +6607,7 @@
           <a:p>
             <a:fld id="{BE276673-889B-9543-9E9F-A629C2806D3E}" type="datetimeFigureOut">
               <a:rPr lang="en-US" smtClean="0"/>
-              <a:t>10/25/18</a:t>
+              <a:t>11/1/18</a:t>
             </a:fld>
             <a:endParaRPr lang="en-US"/>
           </a:p>
@@ -6708,7 +6702,7 @@
           <a:p>
             <a:fld id="{BE276673-889B-9543-9E9F-A629C2806D3E}" type="datetimeFigureOut">
               <a:rPr lang="en-US" smtClean="0"/>
-              <a:t>10/25/18</a:t>
+              <a:t>11/1/18</a:t>
             </a:fld>
             <a:endParaRPr lang="en-US"/>
           </a:p>
@@ -6985,7 +6979,7 @@
           <a:p>
             <a:fld id="{BE276673-889B-9543-9E9F-A629C2806D3E}" type="datetimeFigureOut">
               <a:rPr lang="en-US" smtClean="0"/>
-              <a:t>10/25/18</a:t>
+              <a:t>11/1/18</a:t>
             </a:fld>
             <a:endParaRPr lang="en-US"/>
           </a:p>
@@ -7242,7 +7236,7 @@
           <a:p>
             <a:fld id="{BE276673-889B-9543-9E9F-A629C2806D3E}" type="datetimeFigureOut">
               <a:rPr lang="en-US" smtClean="0"/>
-              <a:t>10/25/18</a:t>
+              <a:t>11/1/18</a:t>
             </a:fld>
             <a:endParaRPr lang="en-US"/>
           </a:p>
@@ -7455,7 +7449,7 @@
           <a:p>
             <a:fld id="{BE276673-889B-9543-9E9F-A629C2806D3E}" type="datetimeFigureOut">
               <a:rPr lang="en-US" smtClean="0"/>
-              <a:t>10/25/18</a:t>
+              <a:t>11/1/18</a:t>
             </a:fld>
             <a:endParaRPr lang="en-US"/>
           </a:p>

--- a/slides.pptx
+++ b/slides.pptx
@@ -347,7 +347,7 @@
           <a:p>
             <a:fld id="{EF2616EF-61A1-8241-8D7A-C212FE98CD42}" type="datetimeFigureOut">
               <a:rPr lang="en-US" smtClean="0"/>
-              <a:t>11/1/18</a:t>
+              <a:t>11/5/18</a:t>
             </a:fld>
             <a:endParaRPr lang="en-US"/>
           </a:p>
@@ -4485,7 +4485,7 @@
           <a:p>
             <a:fld id="{BE276673-889B-9543-9E9F-A629C2806D3E}" type="datetimeFigureOut">
               <a:rPr lang="en-US" smtClean="0"/>
-              <a:t>11/1/18</a:t>
+              <a:t>11/5/18</a:t>
             </a:fld>
             <a:endParaRPr lang="en-US"/>
           </a:p>
@@ -4655,7 +4655,7 @@
           <a:p>
             <a:fld id="{BE276673-889B-9543-9E9F-A629C2806D3E}" type="datetimeFigureOut">
               <a:rPr lang="en-US" smtClean="0"/>
-              <a:t>11/1/18</a:t>
+              <a:t>11/5/18</a:t>
             </a:fld>
             <a:endParaRPr lang="en-US"/>
           </a:p>
@@ -4835,7 +4835,7 @@
           <a:p>
             <a:fld id="{BE276673-889B-9543-9E9F-A629C2806D3E}" type="datetimeFigureOut">
               <a:rPr lang="en-US" smtClean="0"/>
-              <a:t>11/1/18</a:t>
+              <a:t>11/5/18</a:t>
             </a:fld>
             <a:endParaRPr lang="en-US"/>
           </a:p>
@@ -5074,7 +5074,7 @@
           <a:p>
             <a:fld id="{BE276673-889B-9543-9E9F-A629C2806D3E}" type="datetimeFigureOut">
               <a:rPr lang="en-US" smtClean="0"/>
-              <a:t>11/1/18</a:t>
+              <a:t>11/5/18</a:t>
             </a:fld>
             <a:endParaRPr lang="en-US"/>
           </a:p>
@@ -5644,7 +5644,7 @@
           <a:p>
             <a:fld id="{BE276673-889B-9543-9E9F-A629C2806D3E}" type="datetimeFigureOut">
               <a:rPr lang="en-US" smtClean="0"/>
-              <a:t>11/1/18</a:t>
+              <a:t>11/5/18</a:t>
             </a:fld>
             <a:endParaRPr lang="en-US"/>
           </a:p>
@@ -5890,7 +5890,7 @@
           <a:p>
             <a:fld id="{BE276673-889B-9543-9E9F-A629C2806D3E}" type="datetimeFigureOut">
               <a:rPr lang="en-US" smtClean="0"/>
-              <a:t>11/1/18</a:t>
+              <a:t>11/5/18</a:t>
             </a:fld>
             <a:endParaRPr lang="en-US"/>
           </a:p>
@@ -6122,7 +6122,7 @@
           <a:p>
             <a:fld id="{BE276673-889B-9543-9E9F-A629C2806D3E}" type="datetimeFigureOut">
               <a:rPr lang="en-US" smtClean="0"/>
-              <a:t>11/1/18</a:t>
+              <a:t>11/5/18</a:t>
             </a:fld>
             <a:endParaRPr lang="en-US"/>
           </a:p>
@@ -6489,7 +6489,7 @@
           <a:p>
             <a:fld id="{BE276673-889B-9543-9E9F-A629C2806D3E}" type="datetimeFigureOut">
               <a:rPr lang="en-US" smtClean="0"/>
-              <a:t>11/1/18</a:t>
+              <a:t>11/5/18</a:t>
             </a:fld>
             <a:endParaRPr lang="en-US"/>
           </a:p>
@@ -6607,7 +6607,7 @@
           <a:p>
             <a:fld id="{BE276673-889B-9543-9E9F-A629C2806D3E}" type="datetimeFigureOut">
               <a:rPr lang="en-US" smtClean="0"/>
-              <a:t>11/1/18</a:t>
+              <a:t>11/5/18</a:t>
             </a:fld>
             <a:endParaRPr lang="en-US"/>
           </a:p>
@@ -6702,7 +6702,7 @@
           <a:p>
             <a:fld id="{BE276673-889B-9543-9E9F-A629C2806D3E}" type="datetimeFigureOut">
               <a:rPr lang="en-US" smtClean="0"/>
-              <a:t>11/1/18</a:t>
+              <a:t>11/5/18</a:t>
             </a:fld>
             <a:endParaRPr lang="en-US"/>
           </a:p>
@@ -6979,7 +6979,7 @@
           <a:p>
             <a:fld id="{BE276673-889B-9543-9E9F-A629C2806D3E}" type="datetimeFigureOut">
               <a:rPr lang="en-US" smtClean="0"/>
-              <a:t>11/1/18</a:t>
+              <a:t>11/5/18</a:t>
             </a:fld>
             <a:endParaRPr lang="en-US"/>
           </a:p>
@@ -7236,7 +7236,7 @@
           <a:p>
             <a:fld id="{BE276673-889B-9543-9E9F-A629C2806D3E}" type="datetimeFigureOut">
               <a:rPr lang="en-US" smtClean="0"/>
-              <a:t>11/1/18</a:t>
+              <a:t>11/5/18</a:t>
             </a:fld>
             <a:endParaRPr lang="en-US"/>
           </a:p>
@@ -7449,7 +7449,7 @@
           <a:p>
             <a:fld id="{BE276673-889B-9543-9E9F-A629C2806D3E}" type="datetimeFigureOut">
               <a:rPr lang="en-US" smtClean="0"/>
-              <a:t>11/1/18</a:t>
+              <a:t>11/5/18</a:t>
             </a:fld>
             <a:endParaRPr lang="en-US"/>
           </a:p>
@@ -31405,7 +31405,12 @@
             <p:ph idx="1"/>
           </p:nvPr>
         </p:nvSpPr>
-        <p:spPr/>
+        <p:spPr>
+          <a:xfrm>
+            <a:off x="838200" y="1825625"/>
+            <a:ext cx="11087100" cy="4351338"/>
+          </a:xfrm>
+        </p:spPr>
         <p:txBody>
           <a:bodyPr>
             <a:normAutofit/>
@@ -31494,22 +31499,57 @@
                 <a:latin typeface="Consolas" panose="020B0609020204030204" pitchFamily="49" charset="0"/>
                 <a:cs typeface="Consolas" panose="020B0609020204030204" pitchFamily="49" charset="0"/>
               </a:rPr>
-              <a:t>git clone --recursive </a:t>
+              <a:t>git clone --recursive https://</a:t>
+            </a:r>
+            <a:r>
+              <a:rPr lang="en-US" sz="2000" dirty="0" err="1">
+                <a:latin typeface="Consolas" panose="020B0609020204030204" pitchFamily="49" charset="0"/>
+                <a:cs typeface="Consolas" panose="020B0609020204030204" pitchFamily="49" charset="0"/>
+              </a:rPr>
+              <a:t>github.com</a:t>
             </a:r>
             <a:r>
               <a:rPr lang="en-US" sz="2000" dirty="0">
                 <a:latin typeface="Consolas" panose="020B0609020204030204" pitchFamily="49" charset="0"/>
                 <a:cs typeface="Consolas" panose="020B0609020204030204" pitchFamily="49" charset="0"/>
-                <a:hlinkClick r:id="rId3"/>
-              </a:rPr>
-              <a:t>https://github.com/rwy0717/splash2018-omr-gc</a:t>
-            </a:r>
-            <a:endParaRPr lang="en-US" sz="2000" dirty="0">
-              <a:latin typeface="Consolas" panose="020B0609020204030204" pitchFamily="49" charset="0"/>
-              <a:cs typeface="Consolas" panose="020B0609020204030204" pitchFamily="49" charset="0"/>
-            </a:endParaRPr>
-          </a:p>
-          <a:p>
+              </a:rPr>
+              <a:t>/</a:t>
+            </a:r>
+            <a:r>
+              <a:rPr lang="en-US" sz="2000" dirty="0" err="1">
+                <a:latin typeface="Consolas" panose="020B0609020204030204" pitchFamily="49" charset="0"/>
+                <a:cs typeface="Consolas" panose="020B0609020204030204" pitchFamily="49" charset="0"/>
+              </a:rPr>
+              <a:t>omr</a:t>
+            </a:r>
+            <a:r>
+              <a:rPr lang="en-US" sz="2000" dirty="0">
+                <a:latin typeface="Consolas" panose="020B0609020204030204" pitchFamily="49" charset="0"/>
+                <a:cs typeface="Consolas" panose="020B0609020204030204" pitchFamily="49" charset="0"/>
+              </a:rPr>
+              <a:t>-turbo/</a:t>
+            </a:r>
+            <a:r>
+              <a:rPr lang="en-US" sz="2000" dirty="0" err="1">
+                <a:latin typeface="Consolas" panose="020B0609020204030204" pitchFamily="49" charset="0"/>
+                <a:cs typeface="Consolas" panose="020B0609020204030204" pitchFamily="49" charset="0"/>
+              </a:rPr>
+              <a:t>gc</a:t>
+            </a:r>
+            <a:r>
+              <a:rPr lang="en-US" sz="2000" dirty="0">
+                <a:latin typeface="Consolas" panose="020B0609020204030204" pitchFamily="49" charset="0"/>
+                <a:cs typeface="Consolas" panose="020B0609020204030204" pitchFamily="49" charset="0"/>
+              </a:rPr>
+              <a:t>-arrays-</a:t>
+            </a:r>
+            <a:r>
+              <a:rPr lang="en-US" sz="2000" dirty="0" err="1">
+                <a:latin typeface="Consolas" panose="020B0609020204030204" pitchFamily="49" charset="0"/>
+                <a:cs typeface="Consolas" panose="020B0609020204030204" pitchFamily="49" charset="0"/>
+              </a:rPr>
+              <a:t>tutorial.git</a:t>
+            </a:r>
             <a:endParaRPr lang="en-US" sz="2000" dirty="0">
               <a:latin typeface="Consolas" panose="020B0609020204030204" pitchFamily="49" charset="0"/>
               <a:cs typeface="Consolas" panose="020B0609020204030204" pitchFamily="49" charset="0"/>
